--- a/Documents/Meeting Updates/MarchingMasters-0216.pptx
+++ b/Documents/Meeting Updates/MarchingMasters-0216.pptx
@@ -237,7 +237,7 @@
   <pc:docChgLst>
     <pc:chgData name="Brandin Bulicki" userId="c61f620561a25efe" providerId="LiveId" clId="{8C168DC7-EF58-4ABE-83CB-13693802D5C4}"/>
     <pc:docChg chg="modSld">
-      <pc:chgData name="Brandin Bulicki" userId="c61f620561a25efe" providerId="LiveId" clId="{8C168DC7-EF58-4ABE-83CB-13693802D5C4}" dt="2021-02-14T16:09:06.382" v="443" actId="108"/>
+      <pc:chgData name="Brandin Bulicki" userId="c61f620561a25efe" providerId="LiveId" clId="{8C168DC7-EF58-4ABE-83CB-13693802D5C4}" dt="2021-02-16T20:42:34.446" v="499" actId="20577"/>
       <pc:docMkLst>
         <pc:docMk/>
       </pc:docMkLst>
@@ -272,13 +272,13 @@
         </pc:spChg>
       </pc:sldChg>
       <pc:sldChg chg="modSp mod">
-        <pc:chgData name="Brandin Bulicki" userId="c61f620561a25efe" providerId="LiveId" clId="{8C168DC7-EF58-4ABE-83CB-13693802D5C4}" dt="2021-02-14T01:55:56.136" v="30" actId="20577"/>
+        <pc:chgData name="Brandin Bulicki" userId="c61f620561a25efe" providerId="LiveId" clId="{8C168DC7-EF58-4ABE-83CB-13693802D5C4}" dt="2021-02-16T20:42:34.446" v="499" actId="20577"/>
         <pc:sldMkLst>
           <pc:docMk/>
           <pc:sldMk cId="1047696436" sldId="260"/>
         </pc:sldMkLst>
         <pc:spChg chg="mod">
-          <ac:chgData name="Brandin Bulicki" userId="c61f620561a25efe" providerId="LiveId" clId="{8C168DC7-EF58-4ABE-83CB-13693802D5C4}" dt="2021-02-14T01:55:56.136" v="30" actId="20577"/>
+          <ac:chgData name="Brandin Bulicki" userId="c61f620561a25efe" providerId="LiveId" clId="{8C168DC7-EF58-4ABE-83CB-13693802D5C4}" dt="2021-02-16T20:42:34.446" v="499" actId="20577"/>
           <ac:spMkLst>
             <pc:docMk/>
             <pc:sldMk cId="1047696436" sldId="260"/>
@@ -438,7 +438,7 @@
           <a:p>
             <a:fld id="{76A6DF96-24C9-6049-963C-8A018557765F}" type="datetimeFigureOut">
               <a:rPr lang="en-US" smtClean="0"/>
-              <a:t>2/13/2021</a:t>
+              <a:t>2/16/2021</a:t>
             </a:fld>
             <a:endParaRPr lang="en-US"/>
           </a:p>
@@ -636,7 +636,7 @@
           <a:p>
             <a:fld id="{76A6DF96-24C9-6049-963C-8A018557765F}" type="datetimeFigureOut">
               <a:rPr lang="en-US" smtClean="0"/>
-              <a:t>2/13/2021</a:t>
+              <a:t>2/16/2021</a:t>
             </a:fld>
             <a:endParaRPr lang="en-US"/>
           </a:p>
@@ -844,7 +844,7 @@
           <a:p>
             <a:fld id="{76A6DF96-24C9-6049-963C-8A018557765F}" type="datetimeFigureOut">
               <a:rPr lang="en-US" smtClean="0"/>
-              <a:t>2/13/2021</a:t>
+              <a:t>2/16/2021</a:t>
             </a:fld>
             <a:endParaRPr lang="en-US"/>
           </a:p>
@@ -1042,7 +1042,7 @@
           <a:p>
             <a:fld id="{76A6DF96-24C9-6049-963C-8A018557765F}" type="datetimeFigureOut">
               <a:rPr lang="en-US" smtClean="0"/>
-              <a:t>2/13/2021</a:t>
+              <a:t>2/16/2021</a:t>
             </a:fld>
             <a:endParaRPr lang="en-US"/>
           </a:p>
@@ -1317,7 +1317,7 @@
           <a:p>
             <a:fld id="{76A6DF96-24C9-6049-963C-8A018557765F}" type="datetimeFigureOut">
               <a:rPr lang="en-US" smtClean="0"/>
-              <a:t>2/13/2021</a:t>
+              <a:t>2/16/2021</a:t>
             </a:fld>
             <a:endParaRPr lang="en-US"/>
           </a:p>
@@ -1582,7 +1582,7 @@
           <a:p>
             <a:fld id="{76A6DF96-24C9-6049-963C-8A018557765F}" type="datetimeFigureOut">
               <a:rPr lang="en-US" smtClean="0"/>
-              <a:t>2/13/2021</a:t>
+              <a:t>2/16/2021</a:t>
             </a:fld>
             <a:endParaRPr lang="en-US"/>
           </a:p>
@@ -1994,7 +1994,7 @@
           <a:p>
             <a:fld id="{76A6DF96-24C9-6049-963C-8A018557765F}" type="datetimeFigureOut">
               <a:rPr lang="en-US" smtClean="0"/>
-              <a:t>2/13/2021</a:t>
+              <a:t>2/16/2021</a:t>
             </a:fld>
             <a:endParaRPr lang="en-US"/>
           </a:p>
@@ -2135,7 +2135,7 @@
           <a:p>
             <a:fld id="{76A6DF96-24C9-6049-963C-8A018557765F}" type="datetimeFigureOut">
               <a:rPr lang="en-US" smtClean="0"/>
-              <a:t>2/13/2021</a:t>
+              <a:t>2/16/2021</a:t>
             </a:fld>
             <a:endParaRPr lang="en-US"/>
           </a:p>
@@ -2248,7 +2248,7 @@
           <a:p>
             <a:fld id="{76A6DF96-24C9-6049-963C-8A018557765F}" type="datetimeFigureOut">
               <a:rPr lang="en-US" smtClean="0"/>
-              <a:t>2/13/2021</a:t>
+              <a:t>2/16/2021</a:t>
             </a:fld>
             <a:endParaRPr lang="en-US"/>
           </a:p>
@@ -2559,7 +2559,7 @@
           <a:p>
             <a:fld id="{76A6DF96-24C9-6049-963C-8A018557765F}" type="datetimeFigureOut">
               <a:rPr lang="en-US" smtClean="0"/>
-              <a:t>2/13/2021</a:t>
+              <a:t>2/16/2021</a:t>
             </a:fld>
             <a:endParaRPr lang="en-US"/>
           </a:p>
@@ -2847,7 +2847,7 @@
           <a:p>
             <a:fld id="{76A6DF96-24C9-6049-963C-8A018557765F}" type="datetimeFigureOut">
               <a:rPr lang="en-US" smtClean="0"/>
-              <a:t>2/13/2021</a:t>
+              <a:t>2/16/2021</a:t>
             </a:fld>
             <a:endParaRPr lang="en-US"/>
           </a:p>
@@ -3088,7 +3088,7 @@
           <a:p>
             <a:fld id="{76A6DF96-24C9-6049-963C-8A018557765F}" type="datetimeFigureOut">
               <a:rPr lang="en-US" smtClean="0"/>
-              <a:t>2/13/2021</a:t>
+              <a:t>2/16/2021</a:t>
             </a:fld>
             <a:endParaRPr lang="en-US"/>
           </a:p>
@@ -4469,7 +4469,14 @@
               <a:rPr lang="en-US" sz="2000" dirty="0"/>
               <a:t>Continue Work on Software Implementation</a:t>
             </a:r>
-            <a:endParaRPr lang="en-US" sz="1600" dirty="0"/>
+          </a:p>
+          <a:p>
+            <a:pPr lvl="2"/>
+            <a:r>
+              <a:rPr lang="en-US" sz="1200"/>
+              <a:t>Tracking Visualization</a:t>
+            </a:r>
+            <a:endParaRPr lang="en-US" sz="1200" dirty="0"/>
           </a:p>
           <a:p>
             <a:pPr marL="457200" lvl="1" indent="0">
